--- a/Figures/figure_S_splam_spliceai10kNs_density_plot/figure_S_splam_spliceai10kNs_density_plot.pptx
+++ b/Figures/figure_S_splam_spliceai10kNs_density_plot/figure_S_splam_spliceai10kNs_density_plot.pptx
@@ -2,7 +2,7 @@
 <file path=ppt/presentation.xml><?xml version="1.0" encoding="utf-8"?>
 <p:presentation xmlns:a="http://schemas.openxmlformats.org/drawingml/2006/main" xmlns:r="http://schemas.openxmlformats.org/officeDocument/2006/relationships" xmlns:p="http://schemas.openxmlformats.org/presentationml/2006/main" saveSubsetFonts="1" autoCompressPictures="0">
   <p:sldMasterIdLst>
-    <p:sldMasterId id="2147483672" r:id="rId1"/>
+    <p:sldMasterId id="2147483756" r:id="rId1"/>
   </p:sldMasterIdLst>
   <p:notesMasterIdLst>
     <p:notesMasterId r:id="rId3"/>
@@ -10,7 +10,7 @@
   <p:sldIdLst>
     <p:sldId id="256" r:id="rId2"/>
   </p:sldIdLst>
-  <p:sldSz cx="43200638" cy="35999738"/>
+  <p:sldSz cx="19440525" cy="17279938"/>
   <p:notesSz cx="6858000" cy="9144000"/>
   <p:defaultTextStyle>
     <a:defPPr>
@@ -197,7 +197,7 @@
           <a:p>
             <a:fld id="{ABD72DE5-B6EE-E147-A976-7400C289695F}" type="datetimeFigureOut">
               <a:rPr lang="en-US" smtClean="0"/>
-              <a:t>5/24/23</a:t>
+              <a:t>7/18/23</a:t>
             </a:fld>
             <a:endParaRPr lang="en-US"/>
           </a:p>
@@ -215,8 +215,8 @@
         </p:nvSpPr>
         <p:spPr>
           <a:xfrm>
-            <a:off x="1577975" y="1143000"/>
-            <a:ext cx="3702050" cy="3086100"/>
+            <a:off x="1692275" y="1143000"/>
+            <a:ext cx="3473450" cy="3086100"/>
           </a:xfrm>
           <a:prstGeom prst="rect">
             <a:avLst/>
@@ -370,8 +370,8 @@
   </p:cSld>
   <p:clrMap bg1="lt1" tx1="dk1" bg2="lt2" tx2="dk2" accent1="accent1" accent2="accent2" accent3="accent3" accent4="accent4" accent5="accent5" accent6="accent6" hlink="hlink" folHlink="folHlink"/>
   <p:notesStyle>
-    <a:lvl1pPr marL="0" algn="l" defTabSz="3455975" rtl="0" eaLnBrk="1" latinLnBrk="0" hangingPunct="1">
-      <a:defRPr sz="4535" kern="1200">
+    <a:lvl1pPr marL="0" algn="l" defTabSz="1896672" rtl="0" eaLnBrk="1" latinLnBrk="0" hangingPunct="1">
+      <a:defRPr sz="2488" kern="1200">
         <a:solidFill>
           <a:schemeClr val="tx1"/>
         </a:solidFill>
@@ -380,8 +380,8 @@
         <a:cs typeface="+mn-cs"/>
       </a:defRPr>
     </a:lvl1pPr>
-    <a:lvl2pPr marL="1727987" algn="l" defTabSz="3455975" rtl="0" eaLnBrk="1" latinLnBrk="0" hangingPunct="1">
-      <a:defRPr sz="4535" kern="1200">
+    <a:lvl2pPr marL="948335" algn="l" defTabSz="1896672" rtl="0" eaLnBrk="1" latinLnBrk="0" hangingPunct="1">
+      <a:defRPr sz="2488" kern="1200">
         <a:solidFill>
           <a:schemeClr val="tx1"/>
         </a:solidFill>
@@ -390,8 +390,8 @@
         <a:cs typeface="+mn-cs"/>
       </a:defRPr>
     </a:lvl2pPr>
-    <a:lvl3pPr marL="3455975" algn="l" defTabSz="3455975" rtl="0" eaLnBrk="1" latinLnBrk="0" hangingPunct="1">
-      <a:defRPr sz="4535" kern="1200">
+    <a:lvl3pPr marL="1896672" algn="l" defTabSz="1896672" rtl="0" eaLnBrk="1" latinLnBrk="0" hangingPunct="1">
+      <a:defRPr sz="2488" kern="1200">
         <a:solidFill>
           <a:schemeClr val="tx1"/>
         </a:solidFill>
@@ -400,8 +400,8 @@
         <a:cs typeface="+mn-cs"/>
       </a:defRPr>
     </a:lvl3pPr>
-    <a:lvl4pPr marL="5183962" algn="l" defTabSz="3455975" rtl="0" eaLnBrk="1" latinLnBrk="0" hangingPunct="1">
-      <a:defRPr sz="4535" kern="1200">
+    <a:lvl4pPr marL="2845007" algn="l" defTabSz="1896672" rtl="0" eaLnBrk="1" latinLnBrk="0" hangingPunct="1">
+      <a:defRPr sz="2488" kern="1200">
         <a:solidFill>
           <a:schemeClr val="tx1"/>
         </a:solidFill>
@@ -410,8 +410,8 @@
         <a:cs typeface="+mn-cs"/>
       </a:defRPr>
     </a:lvl4pPr>
-    <a:lvl5pPr marL="6911950" algn="l" defTabSz="3455975" rtl="0" eaLnBrk="1" latinLnBrk="0" hangingPunct="1">
-      <a:defRPr sz="4535" kern="1200">
+    <a:lvl5pPr marL="3793343" algn="l" defTabSz="1896672" rtl="0" eaLnBrk="1" latinLnBrk="0" hangingPunct="1">
+      <a:defRPr sz="2488" kern="1200">
         <a:solidFill>
           <a:schemeClr val="tx1"/>
         </a:solidFill>
@@ -420,8 +420,8 @@
         <a:cs typeface="+mn-cs"/>
       </a:defRPr>
     </a:lvl5pPr>
-    <a:lvl6pPr marL="8639937" algn="l" defTabSz="3455975" rtl="0" eaLnBrk="1" latinLnBrk="0" hangingPunct="1">
-      <a:defRPr sz="4535" kern="1200">
+    <a:lvl6pPr marL="4741678" algn="l" defTabSz="1896672" rtl="0" eaLnBrk="1" latinLnBrk="0" hangingPunct="1">
+      <a:defRPr sz="2488" kern="1200">
         <a:solidFill>
           <a:schemeClr val="tx1"/>
         </a:solidFill>
@@ -430,8 +430,8 @@
         <a:cs typeface="+mn-cs"/>
       </a:defRPr>
     </a:lvl6pPr>
-    <a:lvl7pPr marL="10367924" algn="l" defTabSz="3455975" rtl="0" eaLnBrk="1" latinLnBrk="0" hangingPunct="1">
-      <a:defRPr sz="4535" kern="1200">
+    <a:lvl7pPr marL="5690014" algn="l" defTabSz="1896672" rtl="0" eaLnBrk="1" latinLnBrk="0" hangingPunct="1">
+      <a:defRPr sz="2488" kern="1200">
         <a:solidFill>
           <a:schemeClr val="tx1"/>
         </a:solidFill>
@@ -440,8 +440,8 @@
         <a:cs typeface="+mn-cs"/>
       </a:defRPr>
     </a:lvl7pPr>
-    <a:lvl8pPr marL="12095912" algn="l" defTabSz="3455975" rtl="0" eaLnBrk="1" latinLnBrk="0" hangingPunct="1">
-      <a:defRPr sz="4535" kern="1200">
+    <a:lvl8pPr marL="6638350" algn="l" defTabSz="1896672" rtl="0" eaLnBrk="1" latinLnBrk="0" hangingPunct="1">
+      <a:defRPr sz="2488" kern="1200">
         <a:solidFill>
           <a:schemeClr val="tx1"/>
         </a:solidFill>
@@ -450,8 +450,8 @@
         <a:cs typeface="+mn-cs"/>
       </a:defRPr>
     </a:lvl8pPr>
-    <a:lvl9pPr marL="13823899" algn="l" defTabSz="3455975" rtl="0" eaLnBrk="1" latinLnBrk="0" hangingPunct="1">
-      <a:defRPr sz="4535" kern="1200">
+    <a:lvl9pPr marL="7586687" algn="l" defTabSz="1896672" rtl="0" eaLnBrk="1" latinLnBrk="0" hangingPunct="1">
+      <a:defRPr sz="2488" kern="1200">
         <a:solidFill>
           <a:schemeClr val="tx1"/>
         </a:solidFill>
@@ -493,8 +493,8 @@
         </p:nvSpPr>
         <p:spPr>
           <a:xfrm>
-            <a:off x="1577975" y="1143000"/>
-            <a:ext cx="3702050" cy="3086100"/>
+            <a:off x="1692275" y="1143000"/>
+            <a:ext cx="3473450" cy="3086100"/>
           </a:xfrm>
         </p:spPr>
       </p:sp>
@@ -582,15 +582,15 @@
         </p:nvSpPr>
         <p:spPr>
           <a:xfrm>
-            <a:off x="3240048" y="5891626"/>
-            <a:ext cx="36720542" cy="12533242"/>
+            <a:off x="1458040" y="2827991"/>
+            <a:ext cx="16524446" cy="6015978"/>
           </a:xfrm>
         </p:spPr>
         <p:txBody>
           <a:bodyPr anchor="b"/>
           <a:lstStyle>
             <a:lvl1pPr algn="ctr">
-              <a:defRPr sz="28347"/>
+              <a:defRPr sz="12756"/>
             </a:lvl1pPr>
           </a:lstStyle>
           <a:p>
@@ -614,8 +614,8 @@
         </p:nvSpPr>
         <p:spPr>
           <a:xfrm>
-            <a:off x="5400080" y="18908198"/>
-            <a:ext cx="32400479" cy="8691601"/>
+            <a:off x="2430066" y="9075969"/>
+            <a:ext cx="14580394" cy="4171984"/>
           </a:xfrm>
         </p:spPr>
         <p:txBody>
@@ -623,39 +623,39 @@
           <a:lstStyle>
             <a:lvl1pPr marL="0" indent="0" algn="ctr">
               <a:buNone/>
-              <a:defRPr sz="11339"/>
+              <a:defRPr sz="5102"/>
             </a:lvl1pPr>
-            <a:lvl2pPr marL="2160041" indent="0" algn="ctr">
-              <a:buNone/>
-              <a:defRPr sz="9449"/>
+            <a:lvl2pPr marL="972007" indent="0" algn="ctr">
+              <a:buNone/>
+              <a:defRPr sz="4252"/>
             </a:lvl2pPr>
-            <a:lvl3pPr marL="4320083" indent="0" algn="ctr">
-              <a:buNone/>
-              <a:defRPr sz="8504"/>
+            <a:lvl3pPr marL="1944014" indent="0" algn="ctr">
+              <a:buNone/>
+              <a:defRPr sz="3827"/>
             </a:lvl3pPr>
-            <a:lvl4pPr marL="6480124" indent="0" algn="ctr">
-              <a:buNone/>
-              <a:defRPr sz="7559"/>
+            <a:lvl4pPr marL="2916022" indent="0" algn="ctr">
+              <a:buNone/>
+              <a:defRPr sz="3402"/>
             </a:lvl4pPr>
-            <a:lvl5pPr marL="8640166" indent="0" algn="ctr">
-              <a:buNone/>
-              <a:defRPr sz="7559"/>
+            <a:lvl5pPr marL="3888029" indent="0" algn="ctr">
+              <a:buNone/>
+              <a:defRPr sz="3402"/>
             </a:lvl5pPr>
-            <a:lvl6pPr marL="10800207" indent="0" algn="ctr">
-              <a:buNone/>
-              <a:defRPr sz="7559"/>
+            <a:lvl6pPr marL="4860036" indent="0" algn="ctr">
+              <a:buNone/>
+              <a:defRPr sz="3402"/>
             </a:lvl6pPr>
-            <a:lvl7pPr marL="12960248" indent="0" algn="ctr">
-              <a:buNone/>
-              <a:defRPr sz="7559"/>
+            <a:lvl7pPr marL="5832043" indent="0" algn="ctr">
+              <a:buNone/>
+              <a:defRPr sz="3402"/>
             </a:lvl7pPr>
-            <a:lvl8pPr marL="15120290" indent="0" algn="ctr">
-              <a:buNone/>
-              <a:defRPr sz="7559"/>
+            <a:lvl8pPr marL="6804050" indent="0" algn="ctr">
+              <a:buNone/>
+              <a:defRPr sz="3402"/>
             </a:lvl8pPr>
-            <a:lvl9pPr marL="17280331" indent="0" algn="ctr">
-              <a:buNone/>
-              <a:defRPr sz="7559"/>
+            <a:lvl9pPr marL="7776058" indent="0" algn="ctr">
+              <a:buNone/>
+              <a:defRPr sz="3402"/>
             </a:lvl9pPr>
           </a:lstStyle>
           <a:p>
@@ -684,7 +684,7 @@
           <a:p>
             <a:fld id="{5829EFD3-DAAF-1A4D-98F0-A61E9156FD54}" type="datetimeFigureOut">
               <a:rPr lang="en-US" smtClean="0"/>
-              <a:t>5/24/23</a:t>
+              <a:t>7/18/23</a:t>
             </a:fld>
             <a:endParaRPr lang="en-US"/>
           </a:p>
@@ -735,7 +735,7 @@
     </p:spTree>
     <p:extLst>
       <p:ext uri="{BB962C8B-B14F-4D97-AF65-F5344CB8AC3E}">
-        <p14:creationId xmlns:p14="http://schemas.microsoft.com/office/powerpoint/2010/main" val="2816469058"/>
+        <p14:creationId xmlns:p14="http://schemas.microsoft.com/office/powerpoint/2010/main" val="4142111519"/>
       </p:ext>
     </p:extLst>
   </p:cSld>
@@ -854,7 +854,7 @@
           <a:p>
             <a:fld id="{5829EFD3-DAAF-1A4D-98F0-A61E9156FD54}" type="datetimeFigureOut">
               <a:rPr lang="en-US" smtClean="0"/>
-              <a:t>5/24/23</a:t>
+              <a:t>7/18/23</a:t>
             </a:fld>
             <a:endParaRPr lang="en-US"/>
           </a:p>
@@ -905,7 +905,7 @@
     </p:spTree>
     <p:extLst>
       <p:ext uri="{BB962C8B-B14F-4D97-AF65-F5344CB8AC3E}">
-        <p14:creationId xmlns:p14="http://schemas.microsoft.com/office/powerpoint/2010/main" val="2144699890"/>
+        <p14:creationId xmlns:p14="http://schemas.microsoft.com/office/powerpoint/2010/main" val="2665087814"/>
       </p:ext>
     </p:extLst>
   </p:cSld>
@@ -944,8 +944,8 @@
         </p:nvSpPr>
         <p:spPr>
           <a:xfrm>
-            <a:off x="30915459" y="1916653"/>
-            <a:ext cx="9315138" cy="30508114"/>
+            <a:off x="13912127" y="919997"/>
+            <a:ext cx="4191863" cy="14643949"/>
           </a:xfrm>
         </p:spPr>
         <p:txBody>
@@ -972,8 +972,8 @@
         </p:nvSpPr>
         <p:spPr>
           <a:xfrm>
-            <a:off x="2970046" y="1916653"/>
-            <a:ext cx="27405405" cy="30508114"/>
+            <a:off x="1336537" y="919997"/>
+            <a:ext cx="12332583" cy="14643949"/>
           </a:xfrm>
         </p:spPr>
         <p:txBody>
@@ -1034,7 +1034,7 @@
           <a:p>
             <a:fld id="{5829EFD3-DAAF-1A4D-98F0-A61E9156FD54}" type="datetimeFigureOut">
               <a:rPr lang="en-US" smtClean="0"/>
-              <a:t>5/24/23</a:t>
+              <a:t>7/18/23</a:t>
             </a:fld>
             <a:endParaRPr lang="en-US"/>
           </a:p>
@@ -1085,7 +1085,7 @@
     </p:spTree>
     <p:extLst>
       <p:ext uri="{BB962C8B-B14F-4D97-AF65-F5344CB8AC3E}">
-        <p14:creationId xmlns:p14="http://schemas.microsoft.com/office/powerpoint/2010/main" val="918261372"/>
+        <p14:creationId xmlns:p14="http://schemas.microsoft.com/office/powerpoint/2010/main" val="3754709381"/>
       </p:ext>
     </p:extLst>
   </p:cSld>
@@ -1204,7 +1204,7 @@
           <a:p>
             <a:fld id="{5829EFD3-DAAF-1A4D-98F0-A61E9156FD54}" type="datetimeFigureOut">
               <a:rPr lang="en-US" smtClean="0"/>
-              <a:t>5/24/23</a:t>
+              <a:t>7/18/23</a:t>
             </a:fld>
             <a:endParaRPr lang="en-US"/>
           </a:p>
@@ -1255,7 +1255,7 @@
     </p:spTree>
     <p:extLst>
       <p:ext uri="{BB962C8B-B14F-4D97-AF65-F5344CB8AC3E}">
-        <p14:creationId xmlns:p14="http://schemas.microsoft.com/office/powerpoint/2010/main" val="246408593"/>
+        <p14:creationId xmlns:p14="http://schemas.microsoft.com/office/powerpoint/2010/main" val="3311845010"/>
       </p:ext>
     </p:extLst>
   </p:cSld>
@@ -1294,15 +1294,15 @@
         </p:nvSpPr>
         <p:spPr>
           <a:xfrm>
-            <a:off x="2947546" y="8974945"/>
-            <a:ext cx="37260550" cy="14974888"/>
+            <a:off x="1326412" y="4307990"/>
+            <a:ext cx="16767453" cy="7187973"/>
           </a:xfrm>
         </p:spPr>
         <p:txBody>
           <a:bodyPr anchor="b"/>
           <a:lstStyle>
             <a:lvl1pPr>
-              <a:defRPr sz="28347"/>
+              <a:defRPr sz="12756"/>
             </a:lvl1pPr>
           </a:lstStyle>
           <a:p>
@@ -1326,8 +1326,8 @@
         </p:nvSpPr>
         <p:spPr>
           <a:xfrm>
-            <a:off x="2947546" y="24091502"/>
-            <a:ext cx="37260550" cy="7874940"/>
+            <a:off x="1326412" y="11563964"/>
+            <a:ext cx="16767453" cy="3779985"/>
           </a:xfrm>
         </p:spPr>
         <p:txBody>
@@ -1335,15 +1335,15 @@
           <a:lstStyle>
             <a:lvl1pPr marL="0" indent="0">
               <a:buNone/>
-              <a:defRPr sz="11339">
+              <a:defRPr sz="5102">
                 <a:solidFill>
                   <a:schemeClr val="tx1"/>
                 </a:solidFill>
               </a:defRPr>
             </a:lvl1pPr>
-            <a:lvl2pPr marL="2160041" indent="0">
-              <a:buNone/>
-              <a:defRPr sz="9449">
+            <a:lvl2pPr marL="972007" indent="0">
+              <a:buNone/>
+              <a:defRPr sz="4252">
                 <a:solidFill>
                   <a:schemeClr val="tx1">
                     <a:tint val="75000"/>
@@ -1351,9 +1351,9 @@
                 </a:solidFill>
               </a:defRPr>
             </a:lvl2pPr>
-            <a:lvl3pPr marL="4320083" indent="0">
-              <a:buNone/>
-              <a:defRPr sz="8504">
+            <a:lvl3pPr marL="1944014" indent="0">
+              <a:buNone/>
+              <a:defRPr sz="3827">
                 <a:solidFill>
                   <a:schemeClr val="tx1">
                     <a:tint val="75000"/>
@@ -1361,9 +1361,9 @@
                 </a:solidFill>
               </a:defRPr>
             </a:lvl3pPr>
-            <a:lvl4pPr marL="6480124" indent="0">
-              <a:buNone/>
-              <a:defRPr sz="7559">
+            <a:lvl4pPr marL="2916022" indent="0">
+              <a:buNone/>
+              <a:defRPr sz="3402">
                 <a:solidFill>
                   <a:schemeClr val="tx1">
                     <a:tint val="75000"/>
@@ -1371,9 +1371,9 @@
                 </a:solidFill>
               </a:defRPr>
             </a:lvl4pPr>
-            <a:lvl5pPr marL="8640166" indent="0">
-              <a:buNone/>
-              <a:defRPr sz="7559">
+            <a:lvl5pPr marL="3888029" indent="0">
+              <a:buNone/>
+              <a:defRPr sz="3402">
                 <a:solidFill>
                   <a:schemeClr val="tx1">
                     <a:tint val="75000"/>
@@ -1381,9 +1381,9 @@
                 </a:solidFill>
               </a:defRPr>
             </a:lvl5pPr>
-            <a:lvl6pPr marL="10800207" indent="0">
-              <a:buNone/>
-              <a:defRPr sz="7559">
+            <a:lvl6pPr marL="4860036" indent="0">
+              <a:buNone/>
+              <a:defRPr sz="3402">
                 <a:solidFill>
                   <a:schemeClr val="tx1">
                     <a:tint val="75000"/>
@@ -1391,9 +1391,9 @@
                 </a:solidFill>
               </a:defRPr>
             </a:lvl6pPr>
-            <a:lvl7pPr marL="12960248" indent="0">
-              <a:buNone/>
-              <a:defRPr sz="7559">
+            <a:lvl7pPr marL="5832043" indent="0">
+              <a:buNone/>
+              <a:defRPr sz="3402">
                 <a:solidFill>
                   <a:schemeClr val="tx1">
                     <a:tint val="75000"/>
@@ -1401,9 +1401,9 @@
                 </a:solidFill>
               </a:defRPr>
             </a:lvl7pPr>
-            <a:lvl8pPr marL="15120290" indent="0">
-              <a:buNone/>
-              <a:defRPr sz="7559">
+            <a:lvl8pPr marL="6804050" indent="0">
+              <a:buNone/>
+              <a:defRPr sz="3402">
                 <a:solidFill>
                   <a:schemeClr val="tx1">
                     <a:tint val="75000"/>
@@ -1411,9 +1411,9 @@
                 </a:solidFill>
               </a:defRPr>
             </a:lvl8pPr>
-            <a:lvl9pPr marL="17280331" indent="0">
-              <a:buNone/>
-              <a:defRPr sz="7559">
+            <a:lvl9pPr marL="7776058" indent="0">
+              <a:buNone/>
+              <a:defRPr sz="3402">
                 <a:solidFill>
                   <a:schemeClr val="tx1">
                     <a:tint val="75000"/>
@@ -1448,7 +1448,7 @@
           <a:p>
             <a:fld id="{5829EFD3-DAAF-1A4D-98F0-A61E9156FD54}" type="datetimeFigureOut">
               <a:rPr lang="en-US" smtClean="0"/>
-              <a:t>5/24/23</a:t>
+              <a:t>7/18/23</a:t>
             </a:fld>
             <a:endParaRPr lang="en-US"/>
           </a:p>
@@ -1499,7 +1499,7 @@
     </p:spTree>
     <p:extLst>
       <p:ext uri="{BB962C8B-B14F-4D97-AF65-F5344CB8AC3E}">
-        <p14:creationId xmlns:p14="http://schemas.microsoft.com/office/powerpoint/2010/main" val="2305167248"/>
+        <p14:creationId xmlns:p14="http://schemas.microsoft.com/office/powerpoint/2010/main" val="2539508952"/>
       </p:ext>
     </p:extLst>
   </p:cSld>
@@ -1561,8 +1561,8 @@
         </p:nvSpPr>
         <p:spPr>
           <a:xfrm>
-            <a:off x="2970044" y="9583264"/>
-            <a:ext cx="18360271" cy="22841503"/>
+            <a:off x="1336536" y="4599983"/>
+            <a:ext cx="8262223" cy="10963962"/>
           </a:xfrm>
         </p:spPr>
         <p:txBody>
@@ -1618,8 +1618,8 @@
         </p:nvSpPr>
         <p:spPr>
           <a:xfrm>
-            <a:off x="21870323" y="9583264"/>
-            <a:ext cx="18360271" cy="22841503"/>
+            <a:off x="9841766" y="4599983"/>
+            <a:ext cx="8262223" cy="10963962"/>
           </a:xfrm>
         </p:spPr>
         <p:txBody>
@@ -1680,7 +1680,7 @@
           <a:p>
             <a:fld id="{5829EFD3-DAAF-1A4D-98F0-A61E9156FD54}" type="datetimeFigureOut">
               <a:rPr lang="en-US" smtClean="0"/>
-              <a:t>5/24/23</a:t>
+              <a:t>7/18/23</a:t>
             </a:fld>
             <a:endParaRPr lang="en-US"/>
           </a:p>
@@ -1731,7 +1731,7 @@
     </p:spTree>
     <p:extLst>
       <p:ext uri="{BB962C8B-B14F-4D97-AF65-F5344CB8AC3E}">
-        <p14:creationId xmlns:p14="http://schemas.microsoft.com/office/powerpoint/2010/main" val="1378132755"/>
+        <p14:creationId xmlns:p14="http://schemas.microsoft.com/office/powerpoint/2010/main" val="2795887224"/>
       </p:ext>
     </p:extLst>
   </p:cSld>
@@ -1770,8 +1770,8 @@
         </p:nvSpPr>
         <p:spPr>
           <a:xfrm>
-            <a:off x="2975671" y="1916661"/>
-            <a:ext cx="37260550" cy="6958285"/>
+            <a:off x="1339068" y="920001"/>
+            <a:ext cx="16767453" cy="3339989"/>
           </a:xfrm>
         </p:spPr>
         <p:txBody>
@@ -1798,8 +1798,8 @@
         </p:nvSpPr>
         <p:spPr>
           <a:xfrm>
-            <a:off x="2975675" y="8824938"/>
-            <a:ext cx="18275892" cy="4324966"/>
+            <a:off x="1339070" y="4235986"/>
+            <a:ext cx="8224252" cy="2075991"/>
           </a:xfrm>
         </p:spPr>
         <p:txBody>
@@ -1807,39 +1807,39 @@
           <a:lstStyle>
             <a:lvl1pPr marL="0" indent="0">
               <a:buNone/>
-              <a:defRPr sz="11339" b="1"/>
+              <a:defRPr sz="5102" b="1"/>
             </a:lvl1pPr>
-            <a:lvl2pPr marL="2160041" indent="0">
-              <a:buNone/>
-              <a:defRPr sz="9449" b="1"/>
+            <a:lvl2pPr marL="972007" indent="0">
+              <a:buNone/>
+              <a:defRPr sz="4252" b="1"/>
             </a:lvl2pPr>
-            <a:lvl3pPr marL="4320083" indent="0">
-              <a:buNone/>
-              <a:defRPr sz="8504" b="1"/>
+            <a:lvl3pPr marL="1944014" indent="0">
+              <a:buNone/>
+              <a:defRPr sz="3827" b="1"/>
             </a:lvl3pPr>
-            <a:lvl4pPr marL="6480124" indent="0">
-              <a:buNone/>
-              <a:defRPr sz="7559" b="1"/>
+            <a:lvl4pPr marL="2916022" indent="0">
+              <a:buNone/>
+              <a:defRPr sz="3402" b="1"/>
             </a:lvl4pPr>
-            <a:lvl5pPr marL="8640166" indent="0">
-              <a:buNone/>
-              <a:defRPr sz="7559" b="1"/>
+            <a:lvl5pPr marL="3888029" indent="0">
+              <a:buNone/>
+              <a:defRPr sz="3402" b="1"/>
             </a:lvl5pPr>
-            <a:lvl6pPr marL="10800207" indent="0">
-              <a:buNone/>
-              <a:defRPr sz="7559" b="1"/>
+            <a:lvl6pPr marL="4860036" indent="0">
+              <a:buNone/>
+              <a:defRPr sz="3402" b="1"/>
             </a:lvl6pPr>
-            <a:lvl7pPr marL="12960248" indent="0">
-              <a:buNone/>
-              <a:defRPr sz="7559" b="1"/>
+            <a:lvl7pPr marL="5832043" indent="0">
+              <a:buNone/>
+              <a:defRPr sz="3402" b="1"/>
             </a:lvl7pPr>
-            <a:lvl8pPr marL="15120290" indent="0">
-              <a:buNone/>
-              <a:defRPr sz="7559" b="1"/>
+            <a:lvl8pPr marL="6804050" indent="0">
+              <a:buNone/>
+              <a:defRPr sz="3402" b="1"/>
             </a:lvl8pPr>
-            <a:lvl9pPr marL="17280331" indent="0">
-              <a:buNone/>
-              <a:defRPr sz="7559" b="1"/>
+            <a:lvl9pPr marL="7776058" indent="0">
+              <a:buNone/>
+              <a:defRPr sz="3402" b="1"/>
             </a:lvl9pPr>
           </a:lstStyle>
           <a:p>
@@ -1863,8 +1863,8 @@
         </p:nvSpPr>
         <p:spPr>
           <a:xfrm>
-            <a:off x="2975675" y="13149904"/>
-            <a:ext cx="18275892" cy="19341529"/>
+            <a:off x="1339070" y="6311977"/>
+            <a:ext cx="8224252" cy="9283968"/>
           </a:xfrm>
         </p:spPr>
         <p:txBody>
@@ -1920,8 +1920,8 @@
         </p:nvSpPr>
         <p:spPr>
           <a:xfrm>
-            <a:off x="21870325" y="8824938"/>
-            <a:ext cx="18365898" cy="4324966"/>
+            <a:off x="9841767" y="4235986"/>
+            <a:ext cx="8264755" cy="2075991"/>
           </a:xfrm>
         </p:spPr>
         <p:txBody>
@@ -1929,39 +1929,39 @@
           <a:lstStyle>
             <a:lvl1pPr marL="0" indent="0">
               <a:buNone/>
-              <a:defRPr sz="11339" b="1"/>
+              <a:defRPr sz="5102" b="1"/>
             </a:lvl1pPr>
-            <a:lvl2pPr marL="2160041" indent="0">
-              <a:buNone/>
-              <a:defRPr sz="9449" b="1"/>
+            <a:lvl2pPr marL="972007" indent="0">
+              <a:buNone/>
+              <a:defRPr sz="4252" b="1"/>
             </a:lvl2pPr>
-            <a:lvl3pPr marL="4320083" indent="0">
-              <a:buNone/>
-              <a:defRPr sz="8504" b="1"/>
+            <a:lvl3pPr marL="1944014" indent="0">
+              <a:buNone/>
+              <a:defRPr sz="3827" b="1"/>
             </a:lvl3pPr>
-            <a:lvl4pPr marL="6480124" indent="0">
-              <a:buNone/>
-              <a:defRPr sz="7559" b="1"/>
+            <a:lvl4pPr marL="2916022" indent="0">
+              <a:buNone/>
+              <a:defRPr sz="3402" b="1"/>
             </a:lvl4pPr>
-            <a:lvl5pPr marL="8640166" indent="0">
-              <a:buNone/>
-              <a:defRPr sz="7559" b="1"/>
+            <a:lvl5pPr marL="3888029" indent="0">
+              <a:buNone/>
+              <a:defRPr sz="3402" b="1"/>
             </a:lvl5pPr>
-            <a:lvl6pPr marL="10800207" indent="0">
-              <a:buNone/>
-              <a:defRPr sz="7559" b="1"/>
+            <a:lvl6pPr marL="4860036" indent="0">
+              <a:buNone/>
+              <a:defRPr sz="3402" b="1"/>
             </a:lvl6pPr>
-            <a:lvl7pPr marL="12960248" indent="0">
-              <a:buNone/>
-              <a:defRPr sz="7559" b="1"/>
+            <a:lvl7pPr marL="5832043" indent="0">
+              <a:buNone/>
+              <a:defRPr sz="3402" b="1"/>
             </a:lvl7pPr>
-            <a:lvl8pPr marL="15120290" indent="0">
-              <a:buNone/>
-              <a:defRPr sz="7559" b="1"/>
+            <a:lvl8pPr marL="6804050" indent="0">
+              <a:buNone/>
+              <a:defRPr sz="3402" b="1"/>
             </a:lvl8pPr>
-            <a:lvl9pPr marL="17280331" indent="0">
-              <a:buNone/>
-              <a:defRPr sz="7559" b="1"/>
+            <a:lvl9pPr marL="7776058" indent="0">
+              <a:buNone/>
+              <a:defRPr sz="3402" b="1"/>
             </a:lvl9pPr>
           </a:lstStyle>
           <a:p>
@@ -1985,8 +1985,8 @@
         </p:nvSpPr>
         <p:spPr>
           <a:xfrm>
-            <a:off x="21870325" y="13149904"/>
-            <a:ext cx="18365898" cy="19341529"/>
+            <a:off x="9841767" y="6311977"/>
+            <a:ext cx="8264755" cy="9283968"/>
           </a:xfrm>
         </p:spPr>
         <p:txBody>
@@ -2047,7 +2047,7 @@
           <a:p>
             <a:fld id="{5829EFD3-DAAF-1A4D-98F0-A61E9156FD54}" type="datetimeFigureOut">
               <a:rPr lang="en-US" smtClean="0"/>
-              <a:t>5/24/23</a:t>
+              <a:t>7/18/23</a:t>
             </a:fld>
             <a:endParaRPr lang="en-US"/>
           </a:p>
@@ -2098,7 +2098,7 @@
     </p:spTree>
     <p:extLst>
       <p:ext uri="{BB962C8B-B14F-4D97-AF65-F5344CB8AC3E}">
-        <p14:creationId xmlns:p14="http://schemas.microsoft.com/office/powerpoint/2010/main" val="4155956575"/>
+        <p14:creationId xmlns:p14="http://schemas.microsoft.com/office/powerpoint/2010/main" val="1546544508"/>
       </p:ext>
     </p:extLst>
   </p:cSld>
@@ -2165,7 +2165,7 @@
           <a:p>
             <a:fld id="{5829EFD3-DAAF-1A4D-98F0-A61E9156FD54}" type="datetimeFigureOut">
               <a:rPr lang="en-US" smtClean="0"/>
-              <a:t>5/24/23</a:t>
+              <a:t>7/18/23</a:t>
             </a:fld>
             <a:endParaRPr lang="en-US"/>
           </a:p>
@@ -2216,7 +2216,7 @@
     </p:spTree>
     <p:extLst>
       <p:ext uri="{BB962C8B-B14F-4D97-AF65-F5344CB8AC3E}">
-        <p14:creationId xmlns:p14="http://schemas.microsoft.com/office/powerpoint/2010/main" val="1749792177"/>
+        <p14:creationId xmlns:p14="http://schemas.microsoft.com/office/powerpoint/2010/main" val="2755056776"/>
       </p:ext>
     </p:extLst>
   </p:cSld>
@@ -2260,7 +2260,7 @@
           <a:p>
             <a:fld id="{5829EFD3-DAAF-1A4D-98F0-A61E9156FD54}" type="datetimeFigureOut">
               <a:rPr lang="en-US" smtClean="0"/>
-              <a:t>5/24/23</a:t>
+              <a:t>7/18/23</a:t>
             </a:fld>
             <a:endParaRPr lang="en-US"/>
           </a:p>
@@ -2311,7 +2311,7 @@
     </p:spTree>
     <p:extLst>
       <p:ext uri="{BB962C8B-B14F-4D97-AF65-F5344CB8AC3E}">
-        <p14:creationId xmlns:p14="http://schemas.microsoft.com/office/powerpoint/2010/main" val="2832297215"/>
+        <p14:creationId xmlns:p14="http://schemas.microsoft.com/office/powerpoint/2010/main" val="1212358036"/>
       </p:ext>
     </p:extLst>
   </p:cSld>
@@ -2350,15 +2350,15 @@
         </p:nvSpPr>
         <p:spPr>
           <a:xfrm>
-            <a:off x="2975671" y="2399982"/>
-            <a:ext cx="13933330" cy="8399939"/>
+            <a:off x="1339068" y="1151996"/>
+            <a:ext cx="6270075" cy="4031986"/>
           </a:xfrm>
         </p:spPr>
         <p:txBody>
           <a:bodyPr anchor="b"/>
           <a:lstStyle>
             <a:lvl1pPr>
-              <a:defRPr sz="15118"/>
+              <a:defRPr sz="6803"/>
             </a:lvl1pPr>
           </a:lstStyle>
           <a:p>
@@ -2382,39 +2382,39 @@
         </p:nvSpPr>
         <p:spPr>
           <a:xfrm>
-            <a:off x="18365898" y="5183304"/>
-            <a:ext cx="21870323" cy="25583147"/>
+            <a:off x="8264755" y="2487995"/>
+            <a:ext cx="9841766" cy="12279956"/>
           </a:xfrm>
         </p:spPr>
         <p:txBody>
           <a:bodyPr/>
           <a:lstStyle>
             <a:lvl1pPr>
-              <a:defRPr sz="15118"/>
+              <a:defRPr sz="6803"/>
             </a:lvl1pPr>
             <a:lvl2pPr>
-              <a:defRPr sz="13229"/>
+              <a:defRPr sz="5953"/>
             </a:lvl2pPr>
             <a:lvl3pPr>
-              <a:defRPr sz="11339"/>
+              <a:defRPr sz="5102"/>
             </a:lvl3pPr>
             <a:lvl4pPr>
-              <a:defRPr sz="9449"/>
+              <a:defRPr sz="4252"/>
             </a:lvl4pPr>
             <a:lvl5pPr>
-              <a:defRPr sz="9449"/>
+              <a:defRPr sz="4252"/>
             </a:lvl5pPr>
             <a:lvl6pPr>
-              <a:defRPr sz="9449"/>
+              <a:defRPr sz="4252"/>
             </a:lvl6pPr>
             <a:lvl7pPr>
-              <a:defRPr sz="9449"/>
+              <a:defRPr sz="4252"/>
             </a:lvl7pPr>
             <a:lvl8pPr>
-              <a:defRPr sz="9449"/>
+              <a:defRPr sz="4252"/>
             </a:lvl8pPr>
             <a:lvl9pPr>
-              <a:defRPr sz="9449"/>
+              <a:defRPr sz="4252"/>
             </a:lvl9pPr>
           </a:lstStyle>
           <a:p>
@@ -2467,8 +2467,8 @@
         </p:nvSpPr>
         <p:spPr>
           <a:xfrm>
-            <a:off x="2975671" y="10799922"/>
-            <a:ext cx="13933330" cy="20008190"/>
+            <a:off x="1339068" y="5183981"/>
+            <a:ext cx="6270075" cy="9603967"/>
           </a:xfrm>
         </p:spPr>
         <p:txBody>
@@ -2476,39 +2476,39 @@
           <a:lstStyle>
             <a:lvl1pPr marL="0" indent="0">
               <a:buNone/>
-              <a:defRPr sz="7559"/>
+              <a:defRPr sz="3402"/>
             </a:lvl1pPr>
-            <a:lvl2pPr marL="2160041" indent="0">
-              <a:buNone/>
-              <a:defRPr sz="6614"/>
+            <a:lvl2pPr marL="972007" indent="0">
+              <a:buNone/>
+              <a:defRPr sz="2976"/>
             </a:lvl2pPr>
-            <a:lvl3pPr marL="4320083" indent="0">
-              <a:buNone/>
-              <a:defRPr sz="5669"/>
+            <a:lvl3pPr marL="1944014" indent="0">
+              <a:buNone/>
+              <a:defRPr sz="2551"/>
             </a:lvl3pPr>
-            <a:lvl4pPr marL="6480124" indent="0">
-              <a:buNone/>
-              <a:defRPr sz="4725"/>
+            <a:lvl4pPr marL="2916022" indent="0">
+              <a:buNone/>
+              <a:defRPr sz="2126"/>
             </a:lvl4pPr>
-            <a:lvl5pPr marL="8640166" indent="0">
-              <a:buNone/>
-              <a:defRPr sz="4725"/>
+            <a:lvl5pPr marL="3888029" indent="0">
+              <a:buNone/>
+              <a:defRPr sz="2126"/>
             </a:lvl5pPr>
-            <a:lvl6pPr marL="10800207" indent="0">
-              <a:buNone/>
-              <a:defRPr sz="4725"/>
+            <a:lvl6pPr marL="4860036" indent="0">
+              <a:buNone/>
+              <a:defRPr sz="2126"/>
             </a:lvl6pPr>
-            <a:lvl7pPr marL="12960248" indent="0">
-              <a:buNone/>
-              <a:defRPr sz="4725"/>
+            <a:lvl7pPr marL="5832043" indent="0">
+              <a:buNone/>
+              <a:defRPr sz="2126"/>
             </a:lvl7pPr>
-            <a:lvl8pPr marL="15120290" indent="0">
-              <a:buNone/>
-              <a:defRPr sz="4725"/>
+            <a:lvl8pPr marL="6804050" indent="0">
+              <a:buNone/>
+              <a:defRPr sz="2126"/>
             </a:lvl8pPr>
-            <a:lvl9pPr marL="17280331" indent="0">
-              <a:buNone/>
-              <a:defRPr sz="4725"/>
+            <a:lvl9pPr marL="7776058" indent="0">
+              <a:buNone/>
+              <a:defRPr sz="2126"/>
             </a:lvl9pPr>
           </a:lstStyle>
           <a:p>
@@ -2537,7 +2537,7 @@
           <a:p>
             <a:fld id="{5829EFD3-DAAF-1A4D-98F0-A61E9156FD54}" type="datetimeFigureOut">
               <a:rPr lang="en-US" smtClean="0"/>
-              <a:t>5/24/23</a:t>
+              <a:t>7/18/23</a:t>
             </a:fld>
             <a:endParaRPr lang="en-US"/>
           </a:p>
@@ -2588,7 +2588,7 @@
     </p:spTree>
     <p:extLst>
       <p:ext uri="{BB962C8B-B14F-4D97-AF65-F5344CB8AC3E}">
-        <p14:creationId xmlns:p14="http://schemas.microsoft.com/office/powerpoint/2010/main" val="2273502034"/>
+        <p14:creationId xmlns:p14="http://schemas.microsoft.com/office/powerpoint/2010/main" val="1049829684"/>
       </p:ext>
     </p:extLst>
   </p:cSld>
@@ -2627,15 +2627,15 @@
         </p:nvSpPr>
         <p:spPr>
           <a:xfrm>
-            <a:off x="2975671" y="2399982"/>
-            <a:ext cx="13933330" cy="8399939"/>
+            <a:off x="1339068" y="1151996"/>
+            <a:ext cx="6270075" cy="4031986"/>
           </a:xfrm>
         </p:spPr>
         <p:txBody>
           <a:bodyPr anchor="b"/>
           <a:lstStyle>
             <a:lvl1pPr>
-              <a:defRPr sz="15118"/>
+              <a:defRPr sz="6803"/>
             </a:lvl1pPr>
           </a:lstStyle>
           <a:p>
@@ -2659,8 +2659,8 @@
         </p:nvSpPr>
         <p:spPr>
           <a:xfrm>
-            <a:off x="18365898" y="5183304"/>
-            <a:ext cx="21870323" cy="25583147"/>
+            <a:off x="8264755" y="2487995"/>
+            <a:ext cx="9841766" cy="12279956"/>
           </a:xfrm>
         </p:spPr>
         <p:txBody>
@@ -2668,39 +2668,39 @@
           <a:lstStyle>
             <a:lvl1pPr marL="0" indent="0">
               <a:buNone/>
-              <a:defRPr sz="15118"/>
+              <a:defRPr sz="6803"/>
             </a:lvl1pPr>
-            <a:lvl2pPr marL="2160041" indent="0">
-              <a:buNone/>
-              <a:defRPr sz="13229"/>
+            <a:lvl2pPr marL="972007" indent="0">
+              <a:buNone/>
+              <a:defRPr sz="5953"/>
             </a:lvl2pPr>
-            <a:lvl3pPr marL="4320083" indent="0">
-              <a:buNone/>
-              <a:defRPr sz="11339"/>
+            <a:lvl3pPr marL="1944014" indent="0">
+              <a:buNone/>
+              <a:defRPr sz="5102"/>
             </a:lvl3pPr>
-            <a:lvl4pPr marL="6480124" indent="0">
-              <a:buNone/>
-              <a:defRPr sz="9449"/>
+            <a:lvl4pPr marL="2916022" indent="0">
+              <a:buNone/>
+              <a:defRPr sz="4252"/>
             </a:lvl4pPr>
-            <a:lvl5pPr marL="8640166" indent="0">
-              <a:buNone/>
-              <a:defRPr sz="9449"/>
+            <a:lvl5pPr marL="3888029" indent="0">
+              <a:buNone/>
+              <a:defRPr sz="4252"/>
             </a:lvl5pPr>
-            <a:lvl6pPr marL="10800207" indent="0">
-              <a:buNone/>
-              <a:defRPr sz="9449"/>
+            <a:lvl6pPr marL="4860036" indent="0">
+              <a:buNone/>
+              <a:defRPr sz="4252"/>
             </a:lvl6pPr>
-            <a:lvl7pPr marL="12960248" indent="0">
-              <a:buNone/>
-              <a:defRPr sz="9449"/>
+            <a:lvl7pPr marL="5832043" indent="0">
+              <a:buNone/>
+              <a:defRPr sz="4252"/>
             </a:lvl7pPr>
-            <a:lvl8pPr marL="15120290" indent="0">
-              <a:buNone/>
-              <a:defRPr sz="9449"/>
+            <a:lvl8pPr marL="6804050" indent="0">
+              <a:buNone/>
+              <a:defRPr sz="4252"/>
             </a:lvl8pPr>
-            <a:lvl9pPr marL="17280331" indent="0">
-              <a:buNone/>
-              <a:defRPr sz="9449"/>
+            <a:lvl9pPr marL="7776058" indent="0">
+              <a:buNone/>
+              <a:defRPr sz="4252"/>
             </a:lvl9pPr>
           </a:lstStyle>
           <a:p>
@@ -2724,8 +2724,8 @@
         </p:nvSpPr>
         <p:spPr>
           <a:xfrm>
-            <a:off x="2975671" y="10799922"/>
-            <a:ext cx="13933330" cy="20008190"/>
+            <a:off x="1339068" y="5183981"/>
+            <a:ext cx="6270075" cy="9603967"/>
           </a:xfrm>
         </p:spPr>
         <p:txBody>
@@ -2733,39 +2733,39 @@
           <a:lstStyle>
             <a:lvl1pPr marL="0" indent="0">
               <a:buNone/>
-              <a:defRPr sz="7559"/>
+              <a:defRPr sz="3402"/>
             </a:lvl1pPr>
-            <a:lvl2pPr marL="2160041" indent="0">
-              <a:buNone/>
-              <a:defRPr sz="6614"/>
+            <a:lvl2pPr marL="972007" indent="0">
+              <a:buNone/>
+              <a:defRPr sz="2976"/>
             </a:lvl2pPr>
-            <a:lvl3pPr marL="4320083" indent="0">
-              <a:buNone/>
-              <a:defRPr sz="5669"/>
+            <a:lvl3pPr marL="1944014" indent="0">
+              <a:buNone/>
+              <a:defRPr sz="2551"/>
             </a:lvl3pPr>
-            <a:lvl4pPr marL="6480124" indent="0">
-              <a:buNone/>
-              <a:defRPr sz="4725"/>
+            <a:lvl4pPr marL="2916022" indent="0">
+              <a:buNone/>
+              <a:defRPr sz="2126"/>
             </a:lvl4pPr>
-            <a:lvl5pPr marL="8640166" indent="0">
-              <a:buNone/>
-              <a:defRPr sz="4725"/>
+            <a:lvl5pPr marL="3888029" indent="0">
+              <a:buNone/>
+              <a:defRPr sz="2126"/>
             </a:lvl5pPr>
-            <a:lvl6pPr marL="10800207" indent="0">
-              <a:buNone/>
-              <a:defRPr sz="4725"/>
+            <a:lvl6pPr marL="4860036" indent="0">
+              <a:buNone/>
+              <a:defRPr sz="2126"/>
             </a:lvl6pPr>
-            <a:lvl7pPr marL="12960248" indent="0">
-              <a:buNone/>
-              <a:defRPr sz="4725"/>
+            <a:lvl7pPr marL="5832043" indent="0">
+              <a:buNone/>
+              <a:defRPr sz="2126"/>
             </a:lvl7pPr>
-            <a:lvl8pPr marL="15120290" indent="0">
-              <a:buNone/>
-              <a:defRPr sz="4725"/>
+            <a:lvl8pPr marL="6804050" indent="0">
+              <a:buNone/>
+              <a:defRPr sz="2126"/>
             </a:lvl8pPr>
-            <a:lvl9pPr marL="17280331" indent="0">
-              <a:buNone/>
-              <a:defRPr sz="4725"/>
+            <a:lvl9pPr marL="7776058" indent="0">
+              <a:buNone/>
+              <a:defRPr sz="2126"/>
             </a:lvl9pPr>
           </a:lstStyle>
           <a:p>
@@ -2794,7 +2794,7 @@
           <a:p>
             <a:fld id="{5829EFD3-DAAF-1A4D-98F0-A61E9156FD54}" type="datetimeFigureOut">
               <a:rPr lang="en-US" smtClean="0"/>
-              <a:t>5/24/23</a:t>
+              <a:t>7/18/23</a:t>
             </a:fld>
             <a:endParaRPr lang="en-US"/>
           </a:p>
@@ -2845,7 +2845,7 @@
     </p:spTree>
     <p:extLst>
       <p:ext uri="{BB962C8B-B14F-4D97-AF65-F5344CB8AC3E}">
-        <p14:creationId xmlns:p14="http://schemas.microsoft.com/office/powerpoint/2010/main" val="204651182"/>
+        <p14:creationId xmlns:p14="http://schemas.microsoft.com/office/powerpoint/2010/main" val="3703004963"/>
       </p:ext>
     </p:extLst>
   </p:cSld>
@@ -2889,8 +2889,8 @@
         </p:nvSpPr>
         <p:spPr>
           <a:xfrm>
-            <a:off x="2970044" y="1916661"/>
-            <a:ext cx="37260550" cy="6958285"/>
+            <a:off x="1336536" y="920001"/>
+            <a:ext cx="16767453" cy="3339989"/>
           </a:xfrm>
           <a:prstGeom prst="rect">
             <a:avLst/>
@@ -2922,8 +2922,8 @@
         </p:nvSpPr>
         <p:spPr>
           <a:xfrm>
-            <a:off x="2970044" y="9583264"/>
-            <a:ext cx="37260550" cy="22841503"/>
+            <a:off x="1336536" y="4599983"/>
+            <a:ext cx="16767453" cy="10963962"/>
           </a:xfrm>
           <a:prstGeom prst="rect">
             <a:avLst/>
@@ -2984,8 +2984,8 @@
         </p:nvSpPr>
         <p:spPr>
           <a:xfrm>
-            <a:off x="2970044" y="33366432"/>
-            <a:ext cx="9720144" cy="1916653"/>
+            <a:off x="1336536" y="16015946"/>
+            <a:ext cx="4374118" cy="919997"/>
           </a:xfrm>
           <a:prstGeom prst="rect">
             <a:avLst/>
@@ -2995,7 +2995,7 @@
           <a:bodyPr vert="horz" lIns="91440" tIns="45720" rIns="91440" bIns="45720" rtlCol="0" anchor="ctr"/>
           <a:lstStyle>
             <a:lvl1pPr algn="l">
-              <a:defRPr sz="5669">
+              <a:defRPr sz="2551">
                 <a:solidFill>
                   <a:schemeClr val="tx1">
                     <a:tint val="75000"/>
@@ -3007,7 +3007,7 @@
           <a:p>
             <a:fld id="{5829EFD3-DAAF-1A4D-98F0-A61E9156FD54}" type="datetimeFigureOut">
               <a:rPr lang="en-US" smtClean="0"/>
-              <a:t>5/24/23</a:t>
+              <a:t>7/18/23</a:t>
             </a:fld>
             <a:endParaRPr lang="en-US"/>
           </a:p>
@@ -3025,8 +3025,8 @@
         </p:nvSpPr>
         <p:spPr>
           <a:xfrm>
-            <a:off x="14310212" y="33366432"/>
-            <a:ext cx="14580215" cy="1916653"/>
+            <a:off x="6439674" y="16015946"/>
+            <a:ext cx="6561177" cy="919997"/>
           </a:xfrm>
           <a:prstGeom prst="rect">
             <a:avLst/>
@@ -3036,7 +3036,7 @@
           <a:bodyPr vert="horz" lIns="91440" tIns="45720" rIns="91440" bIns="45720" rtlCol="0" anchor="ctr"/>
           <a:lstStyle>
             <a:lvl1pPr algn="ctr">
-              <a:defRPr sz="5669">
+              <a:defRPr sz="2551">
                 <a:solidFill>
                   <a:schemeClr val="tx1">
                     <a:tint val="75000"/>
@@ -3062,8 +3062,8 @@
         </p:nvSpPr>
         <p:spPr>
           <a:xfrm>
-            <a:off x="30510450" y="33366432"/>
-            <a:ext cx="9720144" cy="1916653"/>
+            <a:off x="13729871" y="16015946"/>
+            <a:ext cx="4374118" cy="919997"/>
           </a:xfrm>
           <a:prstGeom prst="rect">
             <a:avLst/>
@@ -3073,7 +3073,7 @@
           <a:bodyPr vert="horz" lIns="91440" tIns="45720" rIns="91440" bIns="45720" rtlCol="0" anchor="ctr"/>
           <a:lstStyle>
             <a:lvl1pPr algn="r">
-              <a:defRPr sz="5669">
+              <a:defRPr sz="2551">
                 <a:solidFill>
                   <a:schemeClr val="tx1">
                     <a:tint val="75000"/>
@@ -3094,27 +3094,27 @@
     </p:spTree>
     <p:extLst>
       <p:ext uri="{BB962C8B-B14F-4D97-AF65-F5344CB8AC3E}">
-        <p14:creationId xmlns:p14="http://schemas.microsoft.com/office/powerpoint/2010/main" val="1915909745"/>
+        <p14:creationId xmlns:p14="http://schemas.microsoft.com/office/powerpoint/2010/main" val="2463698530"/>
       </p:ext>
     </p:extLst>
   </p:cSld>
   <p:clrMap bg1="lt1" tx1="dk1" bg2="lt2" tx2="dk2" accent1="accent1" accent2="accent2" accent3="accent3" accent4="accent4" accent5="accent5" accent6="accent6" hlink="hlink" folHlink="folHlink"/>
   <p:sldLayoutIdLst>
-    <p:sldLayoutId id="2147483673" r:id="rId1"/>
-    <p:sldLayoutId id="2147483674" r:id="rId2"/>
-    <p:sldLayoutId id="2147483675" r:id="rId3"/>
-    <p:sldLayoutId id="2147483676" r:id="rId4"/>
-    <p:sldLayoutId id="2147483677" r:id="rId5"/>
-    <p:sldLayoutId id="2147483678" r:id="rId6"/>
-    <p:sldLayoutId id="2147483679" r:id="rId7"/>
-    <p:sldLayoutId id="2147483680" r:id="rId8"/>
-    <p:sldLayoutId id="2147483681" r:id="rId9"/>
-    <p:sldLayoutId id="2147483682" r:id="rId10"/>
-    <p:sldLayoutId id="2147483683" r:id="rId11"/>
+    <p:sldLayoutId id="2147483757" r:id="rId1"/>
+    <p:sldLayoutId id="2147483758" r:id="rId2"/>
+    <p:sldLayoutId id="2147483759" r:id="rId3"/>
+    <p:sldLayoutId id="2147483760" r:id="rId4"/>
+    <p:sldLayoutId id="2147483761" r:id="rId5"/>
+    <p:sldLayoutId id="2147483762" r:id="rId6"/>
+    <p:sldLayoutId id="2147483763" r:id="rId7"/>
+    <p:sldLayoutId id="2147483764" r:id="rId8"/>
+    <p:sldLayoutId id="2147483765" r:id="rId9"/>
+    <p:sldLayoutId id="2147483766" r:id="rId10"/>
+    <p:sldLayoutId id="2147483767" r:id="rId11"/>
   </p:sldLayoutIdLst>
   <p:txStyles>
     <p:titleStyle>
-      <a:lvl1pPr algn="l" defTabSz="4320083" rtl="0" eaLnBrk="1" latinLnBrk="0" hangingPunct="1">
+      <a:lvl1pPr algn="l" defTabSz="1944014" rtl="0" eaLnBrk="1" latinLnBrk="0" hangingPunct="1">
         <a:lnSpc>
           <a:spcPct val="90000"/>
         </a:lnSpc>
@@ -3122,7 +3122,7 @@
           <a:spcPct val="0"/>
         </a:spcBef>
         <a:buNone/>
-        <a:defRPr sz="20788" kern="1200">
+        <a:defRPr sz="9354" kern="1200">
           <a:solidFill>
             <a:schemeClr val="tx1"/>
           </a:solidFill>
@@ -3133,16 +3133,16 @@
       </a:lvl1pPr>
     </p:titleStyle>
     <p:bodyStyle>
-      <a:lvl1pPr marL="1080021" indent="-1080021" algn="l" defTabSz="4320083" rtl="0" eaLnBrk="1" latinLnBrk="0" hangingPunct="1">
+      <a:lvl1pPr marL="486004" indent="-486004" algn="l" defTabSz="1944014" rtl="0" eaLnBrk="1" latinLnBrk="0" hangingPunct="1">
         <a:lnSpc>
           <a:spcPct val="90000"/>
         </a:lnSpc>
         <a:spcBef>
-          <a:spcPts val="4725"/>
+          <a:spcPts val="2126"/>
         </a:spcBef>
         <a:buFont typeface="Arial" panose="020B0604020202020204" pitchFamily="34" charset="0"/>
         <a:buChar char="•"/>
-        <a:defRPr sz="13229" kern="1200">
+        <a:defRPr sz="5953" kern="1200">
           <a:solidFill>
             <a:schemeClr val="tx1"/>
           </a:solidFill>
@@ -3151,16 +3151,16 @@
           <a:cs typeface="+mn-cs"/>
         </a:defRPr>
       </a:lvl1pPr>
-      <a:lvl2pPr marL="3240062" indent="-1080021" algn="l" defTabSz="4320083" rtl="0" eaLnBrk="1" latinLnBrk="0" hangingPunct="1">
+      <a:lvl2pPr marL="1458011" indent="-486004" algn="l" defTabSz="1944014" rtl="0" eaLnBrk="1" latinLnBrk="0" hangingPunct="1">
         <a:lnSpc>
           <a:spcPct val="90000"/>
         </a:lnSpc>
         <a:spcBef>
-          <a:spcPts val="2362"/>
+          <a:spcPts val="1063"/>
         </a:spcBef>
         <a:buFont typeface="Arial" panose="020B0604020202020204" pitchFamily="34" charset="0"/>
         <a:buChar char="•"/>
-        <a:defRPr sz="11339" kern="1200">
+        <a:defRPr sz="5102" kern="1200">
           <a:solidFill>
             <a:schemeClr val="tx1"/>
           </a:solidFill>
@@ -3169,16 +3169,16 @@
           <a:cs typeface="+mn-cs"/>
         </a:defRPr>
       </a:lvl2pPr>
-      <a:lvl3pPr marL="5400104" indent="-1080021" algn="l" defTabSz="4320083" rtl="0" eaLnBrk="1" latinLnBrk="0" hangingPunct="1">
+      <a:lvl3pPr marL="2430018" indent="-486004" algn="l" defTabSz="1944014" rtl="0" eaLnBrk="1" latinLnBrk="0" hangingPunct="1">
         <a:lnSpc>
           <a:spcPct val="90000"/>
         </a:lnSpc>
         <a:spcBef>
-          <a:spcPts val="2362"/>
+          <a:spcPts val="1063"/>
         </a:spcBef>
         <a:buFont typeface="Arial" panose="020B0604020202020204" pitchFamily="34" charset="0"/>
         <a:buChar char="•"/>
-        <a:defRPr sz="9449" kern="1200">
+        <a:defRPr sz="4252" kern="1200">
           <a:solidFill>
             <a:schemeClr val="tx1"/>
           </a:solidFill>
@@ -3187,16 +3187,16 @@
           <a:cs typeface="+mn-cs"/>
         </a:defRPr>
       </a:lvl3pPr>
-      <a:lvl4pPr marL="7560145" indent="-1080021" algn="l" defTabSz="4320083" rtl="0" eaLnBrk="1" latinLnBrk="0" hangingPunct="1">
+      <a:lvl4pPr marL="3402025" indent="-486004" algn="l" defTabSz="1944014" rtl="0" eaLnBrk="1" latinLnBrk="0" hangingPunct="1">
         <a:lnSpc>
           <a:spcPct val="90000"/>
         </a:lnSpc>
         <a:spcBef>
-          <a:spcPts val="2362"/>
+          <a:spcPts val="1063"/>
         </a:spcBef>
         <a:buFont typeface="Arial" panose="020B0604020202020204" pitchFamily="34" charset="0"/>
         <a:buChar char="•"/>
-        <a:defRPr sz="8504" kern="1200">
+        <a:defRPr sz="3827" kern="1200">
           <a:solidFill>
             <a:schemeClr val="tx1"/>
           </a:solidFill>
@@ -3205,16 +3205,16 @@
           <a:cs typeface="+mn-cs"/>
         </a:defRPr>
       </a:lvl4pPr>
-      <a:lvl5pPr marL="9720186" indent="-1080021" algn="l" defTabSz="4320083" rtl="0" eaLnBrk="1" latinLnBrk="0" hangingPunct="1">
+      <a:lvl5pPr marL="4374032" indent="-486004" algn="l" defTabSz="1944014" rtl="0" eaLnBrk="1" latinLnBrk="0" hangingPunct="1">
         <a:lnSpc>
           <a:spcPct val="90000"/>
         </a:lnSpc>
         <a:spcBef>
-          <a:spcPts val="2362"/>
+          <a:spcPts val="1063"/>
         </a:spcBef>
         <a:buFont typeface="Arial" panose="020B0604020202020204" pitchFamily="34" charset="0"/>
         <a:buChar char="•"/>
-        <a:defRPr sz="8504" kern="1200">
+        <a:defRPr sz="3827" kern="1200">
           <a:solidFill>
             <a:schemeClr val="tx1"/>
           </a:solidFill>
@@ -3223,16 +3223,16 @@
           <a:cs typeface="+mn-cs"/>
         </a:defRPr>
       </a:lvl5pPr>
-      <a:lvl6pPr marL="11880228" indent="-1080021" algn="l" defTabSz="4320083" rtl="0" eaLnBrk="1" latinLnBrk="0" hangingPunct="1">
+      <a:lvl6pPr marL="5346040" indent="-486004" algn="l" defTabSz="1944014" rtl="0" eaLnBrk="1" latinLnBrk="0" hangingPunct="1">
         <a:lnSpc>
           <a:spcPct val="90000"/>
         </a:lnSpc>
         <a:spcBef>
-          <a:spcPts val="2362"/>
+          <a:spcPts val="1063"/>
         </a:spcBef>
         <a:buFont typeface="Arial" panose="020B0604020202020204" pitchFamily="34" charset="0"/>
         <a:buChar char="•"/>
-        <a:defRPr sz="8504" kern="1200">
+        <a:defRPr sz="3827" kern="1200">
           <a:solidFill>
             <a:schemeClr val="tx1"/>
           </a:solidFill>
@@ -3241,16 +3241,16 @@
           <a:cs typeface="+mn-cs"/>
         </a:defRPr>
       </a:lvl6pPr>
-      <a:lvl7pPr marL="14040269" indent="-1080021" algn="l" defTabSz="4320083" rtl="0" eaLnBrk="1" latinLnBrk="0" hangingPunct="1">
+      <a:lvl7pPr marL="6318047" indent="-486004" algn="l" defTabSz="1944014" rtl="0" eaLnBrk="1" latinLnBrk="0" hangingPunct="1">
         <a:lnSpc>
           <a:spcPct val="90000"/>
         </a:lnSpc>
         <a:spcBef>
-          <a:spcPts val="2362"/>
+          <a:spcPts val="1063"/>
         </a:spcBef>
         <a:buFont typeface="Arial" panose="020B0604020202020204" pitchFamily="34" charset="0"/>
         <a:buChar char="•"/>
-        <a:defRPr sz="8504" kern="1200">
+        <a:defRPr sz="3827" kern="1200">
           <a:solidFill>
             <a:schemeClr val="tx1"/>
           </a:solidFill>
@@ -3259,16 +3259,16 @@
           <a:cs typeface="+mn-cs"/>
         </a:defRPr>
       </a:lvl7pPr>
-      <a:lvl8pPr marL="16200311" indent="-1080021" algn="l" defTabSz="4320083" rtl="0" eaLnBrk="1" latinLnBrk="0" hangingPunct="1">
+      <a:lvl8pPr marL="7290054" indent="-486004" algn="l" defTabSz="1944014" rtl="0" eaLnBrk="1" latinLnBrk="0" hangingPunct="1">
         <a:lnSpc>
           <a:spcPct val="90000"/>
         </a:lnSpc>
         <a:spcBef>
-          <a:spcPts val="2362"/>
+          <a:spcPts val="1063"/>
         </a:spcBef>
         <a:buFont typeface="Arial" panose="020B0604020202020204" pitchFamily="34" charset="0"/>
         <a:buChar char="•"/>
-        <a:defRPr sz="8504" kern="1200">
+        <a:defRPr sz="3827" kern="1200">
           <a:solidFill>
             <a:schemeClr val="tx1"/>
           </a:solidFill>
@@ -3277,16 +3277,16 @@
           <a:cs typeface="+mn-cs"/>
         </a:defRPr>
       </a:lvl8pPr>
-      <a:lvl9pPr marL="18360352" indent="-1080021" algn="l" defTabSz="4320083" rtl="0" eaLnBrk="1" latinLnBrk="0" hangingPunct="1">
+      <a:lvl9pPr marL="8262061" indent="-486004" algn="l" defTabSz="1944014" rtl="0" eaLnBrk="1" latinLnBrk="0" hangingPunct="1">
         <a:lnSpc>
           <a:spcPct val="90000"/>
         </a:lnSpc>
         <a:spcBef>
-          <a:spcPts val="2362"/>
+          <a:spcPts val="1063"/>
         </a:spcBef>
         <a:buFont typeface="Arial" panose="020B0604020202020204" pitchFamily="34" charset="0"/>
         <a:buChar char="•"/>
-        <a:defRPr sz="8504" kern="1200">
+        <a:defRPr sz="3827" kern="1200">
           <a:solidFill>
             <a:schemeClr val="tx1"/>
           </a:solidFill>
@@ -3300,8 +3300,8 @@
       <a:defPPr>
         <a:defRPr lang="en-US"/>
       </a:defPPr>
-      <a:lvl1pPr marL="0" algn="l" defTabSz="4320083" rtl="0" eaLnBrk="1" latinLnBrk="0" hangingPunct="1">
-        <a:defRPr sz="8504" kern="1200">
+      <a:lvl1pPr marL="0" algn="l" defTabSz="1944014" rtl="0" eaLnBrk="1" latinLnBrk="0" hangingPunct="1">
+        <a:defRPr sz="3827" kern="1200">
           <a:solidFill>
             <a:schemeClr val="tx1"/>
           </a:solidFill>
@@ -3310,8 +3310,8 @@
           <a:cs typeface="+mn-cs"/>
         </a:defRPr>
       </a:lvl1pPr>
-      <a:lvl2pPr marL="2160041" algn="l" defTabSz="4320083" rtl="0" eaLnBrk="1" latinLnBrk="0" hangingPunct="1">
-        <a:defRPr sz="8504" kern="1200">
+      <a:lvl2pPr marL="972007" algn="l" defTabSz="1944014" rtl="0" eaLnBrk="1" latinLnBrk="0" hangingPunct="1">
+        <a:defRPr sz="3827" kern="1200">
           <a:solidFill>
             <a:schemeClr val="tx1"/>
           </a:solidFill>
@@ -3320,8 +3320,8 @@
           <a:cs typeface="+mn-cs"/>
         </a:defRPr>
       </a:lvl2pPr>
-      <a:lvl3pPr marL="4320083" algn="l" defTabSz="4320083" rtl="0" eaLnBrk="1" latinLnBrk="0" hangingPunct="1">
-        <a:defRPr sz="8504" kern="1200">
+      <a:lvl3pPr marL="1944014" algn="l" defTabSz="1944014" rtl="0" eaLnBrk="1" latinLnBrk="0" hangingPunct="1">
+        <a:defRPr sz="3827" kern="1200">
           <a:solidFill>
             <a:schemeClr val="tx1"/>
           </a:solidFill>
@@ -3330,8 +3330,8 @@
           <a:cs typeface="+mn-cs"/>
         </a:defRPr>
       </a:lvl3pPr>
-      <a:lvl4pPr marL="6480124" algn="l" defTabSz="4320083" rtl="0" eaLnBrk="1" latinLnBrk="0" hangingPunct="1">
-        <a:defRPr sz="8504" kern="1200">
+      <a:lvl4pPr marL="2916022" algn="l" defTabSz="1944014" rtl="0" eaLnBrk="1" latinLnBrk="0" hangingPunct="1">
+        <a:defRPr sz="3827" kern="1200">
           <a:solidFill>
             <a:schemeClr val="tx1"/>
           </a:solidFill>
@@ -3340,8 +3340,8 @@
           <a:cs typeface="+mn-cs"/>
         </a:defRPr>
       </a:lvl4pPr>
-      <a:lvl5pPr marL="8640166" algn="l" defTabSz="4320083" rtl="0" eaLnBrk="1" latinLnBrk="0" hangingPunct="1">
-        <a:defRPr sz="8504" kern="1200">
+      <a:lvl5pPr marL="3888029" algn="l" defTabSz="1944014" rtl="0" eaLnBrk="1" latinLnBrk="0" hangingPunct="1">
+        <a:defRPr sz="3827" kern="1200">
           <a:solidFill>
             <a:schemeClr val="tx1"/>
           </a:solidFill>
@@ -3350,8 +3350,8 @@
           <a:cs typeface="+mn-cs"/>
         </a:defRPr>
       </a:lvl5pPr>
-      <a:lvl6pPr marL="10800207" algn="l" defTabSz="4320083" rtl="0" eaLnBrk="1" latinLnBrk="0" hangingPunct="1">
-        <a:defRPr sz="8504" kern="1200">
+      <a:lvl6pPr marL="4860036" algn="l" defTabSz="1944014" rtl="0" eaLnBrk="1" latinLnBrk="0" hangingPunct="1">
+        <a:defRPr sz="3827" kern="1200">
           <a:solidFill>
             <a:schemeClr val="tx1"/>
           </a:solidFill>
@@ -3360,8 +3360,8 @@
           <a:cs typeface="+mn-cs"/>
         </a:defRPr>
       </a:lvl6pPr>
-      <a:lvl7pPr marL="12960248" algn="l" defTabSz="4320083" rtl="0" eaLnBrk="1" latinLnBrk="0" hangingPunct="1">
-        <a:defRPr sz="8504" kern="1200">
+      <a:lvl7pPr marL="5832043" algn="l" defTabSz="1944014" rtl="0" eaLnBrk="1" latinLnBrk="0" hangingPunct="1">
+        <a:defRPr sz="3827" kern="1200">
           <a:solidFill>
             <a:schemeClr val="tx1"/>
           </a:solidFill>
@@ -3370,8 +3370,8 @@
           <a:cs typeface="+mn-cs"/>
         </a:defRPr>
       </a:lvl7pPr>
-      <a:lvl8pPr marL="15120290" algn="l" defTabSz="4320083" rtl="0" eaLnBrk="1" latinLnBrk="0" hangingPunct="1">
-        <a:defRPr sz="8504" kern="1200">
+      <a:lvl8pPr marL="6804050" algn="l" defTabSz="1944014" rtl="0" eaLnBrk="1" latinLnBrk="0" hangingPunct="1">
+        <a:defRPr sz="3827" kern="1200">
           <a:solidFill>
             <a:schemeClr val="tx1"/>
           </a:solidFill>
@@ -3380,8 +3380,8 @@
           <a:cs typeface="+mn-cs"/>
         </a:defRPr>
       </a:lvl8pPr>
-      <a:lvl9pPr marL="17280331" algn="l" defTabSz="4320083" rtl="0" eaLnBrk="1" latinLnBrk="0" hangingPunct="1">
-        <a:defRPr sz="8504" kern="1200">
+      <a:lvl9pPr marL="7776058" algn="l" defTabSz="1944014" rtl="0" eaLnBrk="1" latinLnBrk="0" hangingPunct="1">
+        <a:defRPr sz="3827" kern="1200">
           <a:solidFill>
             <a:schemeClr val="tx1"/>
           </a:solidFill>
@@ -3414,10 +3414,10 @@
       </p:grpSpPr>
       <p:pic>
         <p:nvPicPr>
-          <p:cNvPr id="4" name="Picture 3" descr="A picture containing text, plot, line, diagram&#10;&#10;Description automatically generated">
+          <p:cNvPr id="5" name="Picture 4" descr="A graph of a graph&#10;&#10;Description automatically generated">
             <a:extLst>
               <a:ext uri="{FF2B5EF4-FFF2-40B4-BE49-F238E27FC236}">
-                <a16:creationId xmlns:a16="http://schemas.microsoft.com/office/drawing/2014/main" id="{26523FA8-EF66-2A4F-C502-3C60EA529583}"/>
+                <a16:creationId xmlns:a16="http://schemas.microsoft.com/office/drawing/2014/main" id="{E4AAB254-D6B6-F4E3-41DE-95FE0CB0BDF3}"/>
               </a:ext>
             </a:extLst>
           </p:cNvPr>
@@ -3434,7 +3434,7 @@
         </p:blipFill>
         <p:spPr>
           <a:xfrm>
-            <a:off x="187933" y="8645315"/>
+            <a:off x="857162" y="9160975"/>
             <a:ext cx="18696979" cy="8309768"/>
           </a:xfrm>
           <a:prstGeom prst="rect">
@@ -3444,10 +3444,10 @@
       </p:pic>
       <p:pic>
         <p:nvPicPr>
-          <p:cNvPr id="6" name="Picture 5" descr="A picture containing text, line, plot, screenshot&#10;&#10;Description automatically generated">
+          <p:cNvPr id="8" name="Picture 7" descr="A graph with red lines and numbers&#10;&#10;Description automatically generated">
             <a:extLst>
               <a:ext uri="{FF2B5EF4-FFF2-40B4-BE49-F238E27FC236}">
-                <a16:creationId xmlns:a16="http://schemas.microsoft.com/office/drawing/2014/main" id="{CEF506A8-4927-1725-5262-DDCD151E5F41}"/>
+                <a16:creationId xmlns:a16="http://schemas.microsoft.com/office/drawing/2014/main" id="{457F1332-8F0D-5DC0-C3F3-71FBBEEC7F04}"/>
               </a:ext>
             </a:extLst>
           </p:cNvPr>
@@ -3464,7 +3464,7 @@
         </p:blipFill>
         <p:spPr>
           <a:xfrm>
-            <a:off x="187933" y="244845"/>
+            <a:off x="804264" y="330201"/>
             <a:ext cx="18696979" cy="8309768"/>
           </a:xfrm>
           <a:prstGeom prst="rect">
@@ -3486,7 +3486,7 @@
         </p:nvSpPr>
         <p:spPr>
           <a:xfrm>
-            <a:off x="0" y="-455090"/>
+            <a:off x="-40843" y="-369735"/>
             <a:ext cx="792205" cy="1569660"/>
           </a:xfrm>
           <a:prstGeom prst="rect">
@@ -3521,7 +3521,7 @@
         </p:nvSpPr>
         <p:spPr>
           <a:xfrm>
-            <a:off x="0" y="8092859"/>
+            <a:off x="-40842" y="8608519"/>
             <a:ext cx="845103" cy="1569660"/>
           </a:xfrm>
           <a:prstGeom prst="rect">
